--- a/答辩PPT.pptx
+++ b/答辩PPT.pptx
@@ -229,7 +229,7 @@
             <a:fld id="{1B2F98C7-9395-4E9A-96EC-DE4C39432AA7}" type="datetimeFigureOut">
               <a:rPr lang="zh-CN" altLang="en-US" smtClean="0"/>
               <a:pPr/>
-              <a:t>2017/12/28</a:t>
+              <a:t>2018/1/2</a:t>
             </a:fld>
             <a:endParaRPr lang="zh-CN" altLang="en-US"/>
           </a:p>
@@ -918,7 +918,7 @@
             <a:fld id="{82A4C821-51AF-415E-BF5B-CDCDE3466362}" type="datetime1">
               <a:rPr lang="zh-CN" altLang="en-US" smtClean="0"/>
               <a:pPr/>
-              <a:t>2017/12/28</a:t>
+              <a:t>2018/1/2</a:t>
             </a:fld>
             <a:endParaRPr lang="zh-CN" altLang="en-US"/>
           </a:p>
@@ -1414,7 +1414,7 @@
         <p:spPr>
           <a:xfrm>
             <a:off x="3216275" y="2796687"/>
-            <a:ext cx="8280399" cy="769441"/>
+            <a:ext cx="8280399" cy="707886"/>
           </a:xfrm>
           <a:prstGeom prst="rect">
             <a:avLst/>
@@ -1428,12 +1428,12 @@
           <a:lstStyle/>
           <a:p>
             <a:r>
-              <a:rPr lang="zh-CN" altLang="en-US" sz="4400" b="1" dirty="0">
+              <a:rPr lang="zh-CN" altLang="en-US" sz="4000" b="1" dirty="0">
                 <a:solidFill>
                   <a:schemeClr val="bg1"/>
                 </a:solidFill>
               </a:rPr>
-              <a:t>毕业论文汇报总结</a:t>
+              <a:t>毕业论文汇报总结：班级网站</a:t>
             </a:r>
           </a:p>
         </p:txBody>
@@ -5497,8 +5497,8 @@
         </p:nvSpPr>
         <p:spPr>
           <a:xfrm>
-            <a:off x="3196047" y="1605289"/>
-            <a:ext cx="5987148" cy="2954655"/>
+            <a:off x="4606560" y="1736229"/>
+            <a:ext cx="5987148" cy="3385542"/>
           </a:xfrm>
           <a:prstGeom prst="rect">
             <a:avLst/>
@@ -5512,53 +5512,53 @@
           <a:lstStyle/>
           <a:p>
             <a:r>
-              <a:rPr lang="en-US" altLang="zh-CN" sz="2400" dirty="0"/>
+              <a:rPr lang="en-US" altLang="zh-CN" sz="2800" dirty="0"/>
               <a:t>1</a:t>
             </a:r>
             <a:r>
-              <a:rPr lang="zh-CN" altLang="en-US" sz="2400" dirty="0"/>
+              <a:rPr lang="zh-CN" altLang="en-US" sz="2800" dirty="0"/>
               <a:t>、设计的灵感</a:t>
             </a:r>
-            <a:endParaRPr lang="en-US" altLang="zh-CN" sz="2400" dirty="0"/>
-          </a:p>
-          <a:p>
-            <a:endParaRPr lang="en-US" altLang="zh-CN" sz="2400" dirty="0"/>
+            <a:endParaRPr lang="en-US" altLang="zh-CN" sz="2800" dirty="0"/>
+          </a:p>
+          <a:p>
+            <a:endParaRPr lang="en-US" altLang="zh-CN" sz="2800" dirty="0"/>
           </a:p>
           <a:p>
             <a:r>
-              <a:rPr lang="en-US" altLang="zh-CN" sz="2400" dirty="0"/>
+              <a:rPr lang="en-US" altLang="zh-CN" sz="2800" dirty="0"/>
               <a:t>2</a:t>
             </a:r>
             <a:r>
-              <a:rPr lang="zh-CN" altLang="en-US" sz="2400" dirty="0"/>
+              <a:rPr lang="zh-CN" altLang="en-US" sz="2800" dirty="0"/>
               <a:t>、色彩的搭配</a:t>
             </a:r>
-            <a:endParaRPr lang="en-US" altLang="zh-CN" sz="2400" dirty="0"/>
-          </a:p>
-          <a:p>
-            <a:endParaRPr lang="en-US" altLang="zh-CN" sz="2400" dirty="0"/>
+            <a:endParaRPr lang="en-US" altLang="zh-CN" sz="2800" dirty="0"/>
+          </a:p>
+          <a:p>
+            <a:endParaRPr lang="en-US" altLang="zh-CN" sz="2800" dirty="0"/>
           </a:p>
           <a:p>
             <a:r>
-              <a:rPr lang="en-US" altLang="zh-CN" sz="2400" dirty="0"/>
+              <a:rPr lang="en-US" altLang="zh-CN" sz="2800" dirty="0"/>
               <a:t>3</a:t>
             </a:r>
             <a:r>
-              <a:rPr lang="zh-CN" altLang="en-US" sz="2400" dirty="0"/>
+              <a:rPr lang="zh-CN" altLang="en-US" sz="2800" dirty="0"/>
               <a:t>、开发方法</a:t>
             </a:r>
-            <a:endParaRPr lang="en-US" altLang="zh-CN" sz="2400" dirty="0"/>
-          </a:p>
-          <a:p>
-            <a:endParaRPr lang="en-US" altLang="zh-CN" sz="2400" dirty="0"/>
+            <a:endParaRPr lang="en-US" altLang="zh-CN" sz="2800" dirty="0"/>
+          </a:p>
+          <a:p>
+            <a:endParaRPr lang="en-US" altLang="zh-CN" sz="2800" dirty="0"/>
           </a:p>
           <a:p>
             <a:r>
-              <a:rPr lang="en-US" altLang="zh-CN" sz="2400" dirty="0"/>
+              <a:rPr lang="en-US" altLang="zh-CN" sz="2800" dirty="0"/>
               <a:t>4</a:t>
             </a:r>
             <a:r>
-              <a:rPr lang="zh-CN" altLang="en-US" sz="2400" dirty="0"/>
+              <a:rPr lang="zh-CN" altLang="en-US" sz="2800" dirty="0"/>
               <a:t>、解决问题的办法</a:t>
             </a:r>
             <a:br>
@@ -10716,7 +10716,7 @@
         </p:nvSpPr>
         <p:spPr>
           <a:xfrm>
-            <a:off x="2523139" y="1378984"/>
+            <a:off x="3894739" y="1378984"/>
             <a:ext cx="6659492" cy="523220"/>
           </a:xfrm>
           <a:prstGeom prst="rect">
@@ -10767,7 +10767,7 @@
         </p:nvSpPr>
         <p:spPr>
           <a:xfrm>
-            <a:off x="2531846" y="2227516"/>
+            <a:off x="3903446" y="2227516"/>
             <a:ext cx="6659492" cy="523220"/>
           </a:xfrm>
           <a:prstGeom prst="rect">
@@ -10818,7 +10818,7 @@
         </p:nvSpPr>
         <p:spPr>
           <a:xfrm>
-            <a:off x="2527490" y="3076048"/>
+            <a:off x="3899090" y="3076048"/>
             <a:ext cx="6659492" cy="523220"/>
           </a:xfrm>
           <a:prstGeom prst="rect">
@@ -10869,7 +10869,7 @@
         </p:nvSpPr>
         <p:spPr>
           <a:xfrm>
-            <a:off x="2523134" y="3924580"/>
+            <a:off x="3894734" y="3924580"/>
             <a:ext cx="6659492" cy="523220"/>
           </a:xfrm>
           <a:prstGeom prst="rect">
@@ -10920,7 +10920,7 @@
         </p:nvSpPr>
         <p:spPr>
           <a:xfrm>
-            <a:off x="2531841" y="4773112"/>
+            <a:off x="3903441" y="4773112"/>
             <a:ext cx="6659492" cy="523220"/>
           </a:xfrm>
           <a:prstGeom prst="rect">
